--- a/Walk North Hills v3.pptx
+++ b/Walk North Hills v3.pptx
@@ -1162,18 +1162,46 @@
         </dgm:presLayoutVars>
       </dgm:prSet>
       <dgm:spPr/>
+      <dgm:t>
+        <a:bodyPr/>
+        <a:lstStyle/>
+        <a:p>
+          <a:endParaRPr lang="en-US"/>
+        </a:p>
+      </dgm:t>
     </dgm:pt>
     <dgm:pt modelId="{3EDCB39D-C7F0-4860-92E1-C5E202EDC593}" type="pres">
       <dgm:prSet presAssocID="{5CA8A787-B8E1-449F-8965-B82C8A5C3B2E}" presName="centerShape" presStyleLbl="node0" presStyleIdx="0" presStyleCnt="1" custLinFactNeighborX="1516" custLinFactNeighborY="-1819"/>
       <dgm:spPr/>
+      <dgm:t>
+        <a:bodyPr/>
+        <a:lstStyle/>
+        <a:p>
+          <a:endParaRPr lang="en-US"/>
+        </a:p>
+      </dgm:t>
     </dgm:pt>
     <dgm:pt modelId="{0D317CC8-7A9F-4AD6-B289-61085785B942}" type="pres">
       <dgm:prSet presAssocID="{AC8AC748-1CBA-4457-B207-D03580410D0A}" presName="parTrans" presStyleLbl="sibTrans2D1" presStyleIdx="0" presStyleCnt="5"/>
       <dgm:spPr/>
+      <dgm:t>
+        <a:bodyPr/>
+        <a:lstStyle/>
+        <a:p>
+          <a:endParaRPr lang="en-US"/>
+        </a:p>
+      </dgm:t>
     </dgm:pt>
     <dgm:pt modelId="{ACCC0D07-B914-45BC-90C4-73989466758F}" type="pres">
       <dgm:prSet presAssocID="{AC8AC748-1CBA-4457-B207-D03580410D0A}" presName="connectorText" presStyleLbl="sibTrans2D1" presStyleIdx="0" presStyleCnt="5"/>
       <dgm:spPr/>
+      <dgm:t>
+        <a:bodyPr/>
+        <a:lstStyle/>
+        <a:p>
+          <a:endParaRPr lang="en-US"/>
+        </a:p>
+      </dgm:t>
     </dgm:pt>
     <dgm:pt modelId="{8AD22D4E-33C7-4FAC-8904-0444B96D6BF1}" type="pres">
       <dgm:prSet presAssocID="{C82F616E-E956-487C-80E4-7E4B5D75B9CC}" presName="node" presStyleLbl="node1" presStyleIdx="0" presStyleCnt="5" custRadScaleRad="136542" custRadScaleInc="1035">
@@ -1193,10 +1221,24 @@
     <dgm:pt modelId="{2A7D238D-65FB-48C7-8DAB-2279FC94FAB9}" type="pres">
       <dgm:prSet presAssocID="{A357ADCB-2BB5-40B8-A344-ADBEDD7FE77C}" presName="parTrans" presStyleLbl="sibTrans2D1" presStyleIdx="1" presStyleCnt="5"/>
       <dgm:spPr/>
+      <dgm:t>
+        <a:bodyPr/>
+        <a:lstStyle/>
+        <a:p>
+          <a:endParaRPr lang="en-US"/>
+        </a:p>
+      </dgm:t>
     </dgm:pt>
     <dgm:pt modelId="{C8017806-A187-4947-8E92-21BCBCC575CE}" type="pres">
       <dgm:prSet presAssocID="{A357ADCB-2BB5-40B8-A344-ADBEDD7FE77C}" presName="connectorText" presStyleLbl="sibTrans2D1" presStyleIdx="1" presStyleCnt="5"/>
       <dgm:spPr/>
+      <dgm:t>
+        <a:bodyPr/>
+        <a:lstStyle/>
+        <a:p>
+          <a:endParaRPr lang="en-US"/>
+        </a:p>
+      </dgm:t>
     </dgm:pt>
     <dgm:pt modelId="{2A634CB0-4FFF-453A-ACA4-A5EEABEED76C}" type="pres">
       <dgm:prSet presAssocID="{3C4A2A78-B220-49B4-A864-865AC5612374}" presName="node" presStyleLbl="node1" presStyleIdx="1" presStyleCnt="5" custRadScaleRad="113082" custRadScaleInc="-2177">
@@ -1216,10 +1258,24 @@
     <dgm:pt modelId="{5AF642F1-9124-49E9-83C8-6AF562A5F3BF}" type="pres">
       <dgm:prSet presAssocID="{991B1DCA-3E0C-4603-A1EF-EB49A270C5B9}" presName="parTrans" presStyleLbl="sibTrans2D1" presStyleIdx="2" presStyleCnt="5"/>
       <dgm:spPr/>
+      <dgm:t>
+        <a:bodyPr/>
+        <a:lstStyle/>
+        <a:p>
+          <a:endParaRPr lang="en-US"/>
+        </a:p>
+      </dgm:t>
     </dgm:pt>
     <dgm:pt modelId="{4FD43BED-8C89-488E-9206-A06153054576}" type="pres">
       <dgm:prSet presAssocID="{991B1DCA-3E0C-4603-A1EF-EB49A270C5B9}" presName="connectorText" presStyleLbl="sibTrans2D1" presStyleIdx="2" presStyleCnt="5"/>
       <dgm:spPr/>
+      <dgm:t>
+        <a:bodyPr/>
+        <a:lstStyle/>
+        <a:p>
+          <a:endParaRPr lang="en-US"/>
+        </a:p>
+      </dgm:t>
     </dgm:pt>
     <dgm:pt modelId="{490FAE2C-F48F-487D-B95E-004D606C3FD6}" type="pres">
       <dgm:prSet presAssocID="{EDA3B536-0B0B-4A0F-8FAC-7619A8E081A7}" presName="node" presStyleLbl="node1" presStyleIdx="2" presStyleCnt="5">
@@ -1228,14 +1284,35 @@
         </dgm:presLayoutVars>
       </dgm:prSet>
       <dgm:spPr/>
+      <dgm:t>
+        <a:bodyPr/>
+        <a:lstStyle/>
+        <a:p>
+          <a:endParaRPr lang="en-US"/>
+        </a:p>
+      </dgm:t>
     </dgm:pt>
     <dgm:pt modelId="{D577613C-D13A-46DF-8169-1DB3898D8890}" type="pres">
       <dgm:prSet presAssocID="{C3274072-A03E-4F54-AB37-9BA530E92543}" presName="parTrans" presStyleLbl="sibTrans2D1" presStyleIdx="3" presStyleCnt="5"/>
       <dgm:spPr/>
+      <dgm:t>
+        <a:bodyPr/>
+        <a:lstStyle/>
+        <a:p>
+          <a:endParaRPr lang="en-US"/>
+        </a:p>
+      </dgm:t>
     </dgm:pt>
     <dgm:pt modelId="{A5D3E386-A4D7-4898-BFDA-B4052BEFFC7F}" type="pres">
       <dgm:prSet presAssocID="{C3274072-A03E-4F54-AB37-9BA530E92543}" presName="connectorText" presStyleLbl="sibTrans2D1" presStyleIdx="3" presStyleCnt="5"/>
       <dgm:spPr/>
+      <dgm:t>
+        <a:bodyPr/>
+        <a:lstStyle/>
+        <a:p>
+          <a:endParaRPr lang="en-US"/>
+        </a:p>
+      </dgm:t>
     </dgm:pt>
     <dgm:pt modelId="{86935A54-2259-4F8C-B774-78D1C9FA90C9}" type="pres">
       <dgm:prSet presAssocID="{060214B1-8E28-4EA0-85E4-2B236E6F12CE}" presName="node" presStyleLbl="node1" presStyleIdx="3" presStyleCnt="5">
@@ -1255,10 +1332,24 @@
     <dgm:pt modelId="{EDC6FE56-B90B-4411-98D6-59A88E81F17B}" type="pres">
       <dgm:prSet presAssocID="{9FFA11DC-B93E-4F31-9848-A1372D73EB65}" presName="parTrans" presStyleLbl="sibTrans2D1" presStyleIdx="4" presStyleCnt="5"/>
       <dgm:spPr/>
+      <dgm:t>
+        <a:bodyPr/>
+        <a:lstStyle/>
+        <a:p>
+          <a:endParaRPr lang="en-US"/>
+        </a:p>
+      </dgm:t>
     </dgm:pt>
     <dgm:pt modelId="{74C7183B-B061-443B-9F4C-FC4C3166B531}" type="pres">
       <dgm:prSet presAssocID="{9FFA11DC-B93E-4F31-9848-A1372D73EB65}" presName="connectorText" presStyleLbl="sibTrans2D1" presStyleIdx="4" presStyleCnt="5"/>
       <dgm:spPr/>
+      <dgm:t>
+        <a:bodyPr/>
+        <a:lstStyle/>
+        <a:p>
+          <a:endParaRPr lang="en-US"/>
+        </a:p>
+      </dgm:t>
     </dgm:pt>
     <dgm:pt modelId="{3852F764-DA5F-41D9-865F-372F7909E3F5}" type="pres">
       <dgm:prSet presAssocID="{69D98891-2518-4411-B6C6-48145C994C5A}" presName="node" presStyleLbl="node1" presStyleIdx="4" presStyleCnt="5">
@@ -1267,32 +1358,39 @@
         </dgm:presLayoutVars>
       </dgm:prSet>
       <dgm:spPr/>
+      <dgm:t>
+        <a:bodyPr/>
+        <a:lstStyle/>
+        <a:p>
+          <a:endParaRPr lang="en-US"/>
+        </a:p>
+      </dgm:t>
     </dgm:pt>
   </dgm:ptLst>
   <dgm:cxnLst>
+    <dgm:cxn modelId="{F705EB21-3033-4E72-8CD7-77DEF6BB48BD}" type="presOf" srcId="{AC8AC748-1CBA-4457-B207-D03580410D0A}" destId="{0D317CC8-7A9F-4AD6-B289-61085785B942}" srcOrd="0" destOrd="0" presId="urn:microsoft.com/office/officeart/2005/8/layout/radial5"/>
+    <dgm:cxn modelId="{D44C4315-25C1-4328-8668-D55AB1D35218}" type="presOf" srcId="{AC8AC748-1CBA-4457-B207-D03580410D0A}" destId="{ACCC0D07-B914-45BC-90C4-73989466758F}" srcOrd="1" destOrd="0" presId="urn:microsoft.com/office/officeart/2005/8/layout/radial5"/>
+    <dgm:cxn modelId="{D03110B4-CC3B-4A2A-B13A-12710252FF09}" type="presOf" srcId="{A357ADCB-2BB5-40B8-A344-ADBEDD7FE77C}" destId="{C8017806-A187-4947-8E92-21BCBCC575CE}" srcOrd="1" destOrd="0" presId="urn:microsoft.com/office/officeart/2005/8/layout/radial5"/>
+    <dgm:cxn modelId="{597D8FBB-0492-41EA-B3A2-25F883BADADD}" type="presOf" srcId="{060214B1-8E28-4EA0-85E4-2B236E6F12CE}" destId="{86935A54-2259-4F8C-B774-78D1C9FA90C9}" srcOrd="0" destOrd="0" presId="urn:microsoft.com/office/officeart/2005/8/layout/radial5"/>
+    <dgm:cxn modelId="{F2542B46-DDEA-454C-AD0D-510B4A4F4ABE}" type="presOf" srcId="{A357ADCB-2BB5-40B8-A344-ADBEDD7FE77C}" destId="{2A7D238D-65FB-48C7-8DAB-2279FC94FAB9}" srcOrd="0" destOrd="0" presId="urn:microsoft.com/office/officeart/2005/8/layout/radial5"/>
+    <dgm:cxn modelId="{D90B997F-4FD5-47A2-B19F-836441AAEDCE}" type="presOf" srcId="{C3274072-A03E-4F54-AB37-9BA530E92543}" destId="{D577613C-D13A-46DF-8169-1DB3898D8890}" srcOrd="0" destOrd="0" presId="urn:microsoft.com/office/officeart/2005/8/layout/radial5"/>
+    <dgm:cxn modelId="{BD3F1990-A3EB-42F0-962D-0CCE0A7FD8F0}" srcId="{5CA8A787-B8E1-449F-8965-B82C8A5C3B2E}" destId="{EDA3B536-0B0B-4A0F-8FAC-7619A8E081A7}" srcOrd="2" destOrd="0" parTransId="{991B1DCA-3E0C-4603-A1EF-EB49A270C5B9}" sibTransId="{98C042F5-86D6-4866-A611-A86A2C6D5842}"/>
+    <dgm:cxn modelId="{09BB7961-E5DD-4A87-92B7-5C66411B1784}" srcId="{5CA8A787-B8E1-449F-8965-B82C8A5C3B2E}" destId="{3C4A2A78-B220-49B4-A864-865AC5612374}" srcOrd="1" destOrd="0" parTransId="{A357ADCB-2BB5-40B8-A344-ADBEDD7FE77C}" sibTransId="{F692E531-07A1-4F54-BA8F-C328123C2939}"/>
+    <dgm:cxn modelId="{7C5EB01E-32C5-48A9-9D97-AC82FA5E6555}" type="presOf" srcId="{69D98891-2518-4411-B6C6-48145C994C5A}" destId="{3852F764-DA5F-41D9-865F-372F7909E3F5}" srcOrd="0" destOrd="0" presId="urn:microsoft.com/office/officeart/2005/8/layout/radial5"/>
+    <dgm:cxn modelId="{282A2129-4981-4E18-9B92-DF5EAA4E3578}" type="presOf" srcId="{9FFA11DC-B93E-4F31-9848-A1372D73EB65}" destId="{EDC6FE56-B90B-4411-98D6-59A88E81F17B}" srcOrd="0" destOrd="0" presId="urn:microsoft.com/office/officeart/2005/8/layout/radial5"/>
+    <dgm:cxn modelId="{3F89EE62-2E10-48FA-8C14-1114E37A9EE9}" type="presOf" srcId="{EDA3B536-0B0B-4A0F-8FAC-7619A8E081A7}" destId="{490FAE2C-F48F-487D-B95E-004D606C3FD6}" srcOrd="0" destOrd="0" presId="urn:microsoft.com/office/officeart/2005/8/layout/radial5"/>
+    <dgm:cxn modelId="{772F7264-B86B-4C47-A748-73615BD004A1}" type="presOf" srcId="{991B1DCA-3E0C-4603-A1EF-EB49A270C5B9}" destId="{5AF642F1-9124-49E9-83C8-6AF562A5F3BF}" srcOrd="0" destOrd="0" presId="urn:microsoft.com/office/officeart/2005/8/layout/radial5"/>
     <dgm:cxn modelId="{33DBBFE3-46FE-4FBD-A73A-DEFCFF22FCCB}" type="presOf" srcId="{9FFA11DC-B93E-4F31-9848-A1372D73EB65}" destId="{74C7183B-B061-443B-9F4C-FC4C3166B531}" srcOrd="1" destOrd="0" presId="urn:microsoft.com/office/officeart/2005/8/layout/radial5"/>
+    <dgm:cxn modelId="{8706A746-6C12-4B8D-9C08-8B43DB930E82}" type="presOf" srcId="{5CA8A787-B8E1-449F-8965-B82C8A5C3B2E}" destId="{3EDCB39D-C7F0-4860-92E1-C5E202EDC593}" srcOrd="0" destOrd="0" presId="urn:microsoft.com/office/officeart/2005/8/layout/radial5"/>
+    <dgm:cxn modelId="{8A71A7C3-9CB7-4B28-9C39-B8C9C4748818}" type="presOf" srcId="{3C4A2A78-B220-49B4-A864-865AC5612374}" destId="{2A634CB0-4FFF-453A-ACA4-A5EEABEED76C}" srcOrd="0" destOrd="0" presId="urn:microsoft.com/office/officeart/2005/8/layout/radial5"/>
+    <dgm:cxn modelId="{5B87C081-0A25-4877-8D24-F67B958BC5CD}" type="presOf" srcId="{C3274072-A03E-4F54-AB37-9BA530E92543}" destId="{A5D3E386-A4D7-4898-BFDA-B4052BEFFC7F}" srcOrd="1" destOrd="0" presId="urn:microsoft.com/office/officeart/2005/8/layout/radial5"/>
+    <dgm:cxn modelId="{81343AE5-B38B-437B-9636-1177A010E90C}" type="presOf" srcId="{0396D9AA-1A7F-463B-832C-F9940B2A28CE}" destId="{D84C6100-8A65-4DB4-98A4-26D71A5C18EC}" srcOrd="0" destOrd="0" presId="urn:microsoft.com/office/officeart/2005/8/layout/radial5"/>
     <dgm:cxn modelId="{3AB47C2C-577E-4B86-B0FD-F30A9758203E}" srcId="{5CA8A787-B8E1-449F-8965-B82C8A5C3B2E}" destId="{060214B1-8E28-4EA0-85E4-2B236E6F12CE}" srcOrd="3" destOrd="0" parTransId="{C3274072-A03E-4F54-AB37-9BA530E92543}" sibTransId="{62AC2D76-0A9F-47A9-8C0C-7A8606C6E88B}"/>
-    <dgm:cxn modelId="{BD3F1990-A3EB-42F0-962D-0CCE0A7FD8F0}" srcId="{5CA8A787-B8E1-449F-8965-B82C8A5C3B2E}" destId="{EDA3B536-0B0B-4A0F-8FAC-7619A8E081A7}" srcOrd="2" destOrd="0" parTransId="{991B1DCA-3E0C-4603-A1EF-EB49A270C5B9}" sibTransId="{98C042F5-86D6-4866-A611-A86A2C6D5842}"/>
-    <dgm:cxn modelId="{597D8FBB-0492-41EA-B3A2-25F883BADADD}" type="presOf" srcId="{060214B1-8E28-4EA0-85E4-2B236E6F12CE}" destId="{86935A54-2259-4F8C-B774-78D1C9FA90C9}" srcOrd="0" destOrd="0" presId="urn:microsoft.com/office/officeart/2005/8/layout/radial5"/>
-    <dgm:cxn modelId="{D44C4315-25C1-4328-8668-D55AB1D35218}" type="presOf" srcId="{AC8AC748-1CBA-4457-B207-D03580410D0A}" destId="{ACCC0D07-B914-45BC-90C4-73989466758F}" srcOrd="1" destOrd="0" presId="urn:microsoft.com/office/officeart/2005/8/layout/radial5"/>
-    <dgm:cxn modelId="{282A2129-4981-4E18-9B92-DF5EAA4E3578}" type="presOf" srcId="{9FFA11DC-B93E-4F31-9848-A1372D73EB65}" destId="{EDC6FE56-B90B-4411-98D6-59A88E81F17B}" srcOrd="0" destOrd="0" presId="urn:microsoft.com/office/officeart/2005/8/layout/radial5"/>
+    <dgm:cxn modelId="{572E482D-A9BB-4900-8B3C-24342BD213AF}" srcId="{0396D9AA-1A7F-463B-832C-F9940B2A28CE}" destId="{5CA8A787-B8E1-449F-8965-B82C8A5C3B2E}" srcOrd="0" destOrd="0" parTransId="{7177D074-7912-4F2F-AF28-AC5AFA6AED96}" sibTransId="{5B414C26-417F-46E9-B9E8-9178D28DA301}"/>
+    <dgm:cxn modelId="{7AC15E91-6F81-442D-93F0-9001B175318F}" type="presOf" srcId="{991B1DCA-3E0C-4603-A1EF-EB49A270C5B9}" destId="{4FD43BED-8C89-488E-9206-A06153054576}" srcOrd="1" destOrd="0" presId="urn:microsoft.com/office/officeart/2005/8/layout/radial5"/>
     <dgm:cxn modelId="{69AFB9B7-B48B-466C-A106-4EC55A6BDC1A}" type="presOf" srcId="{C82F616E-E956-487C-80E4-7E4B5D75B9CC}" destId="{8AD22D4E-33C7-4FAC-8904-0444B96D6BF1}" srcOrd="0" destOrd="0" presId="urn:microsoft.com/office/officeart/2005/8/layout/radial5"/>
-    <dgm:cxn modelId="{8706A746-6C12-4B8D-9C08-8B43DB930E82}" type="presOf" srcId="{5CA8A787-B8E1-449F-8965-B82C8A5C3B2E}" destId="{3EDCB39D-C7F0-4860-92E1-C5E202EDC593}" srcOrd="0" destOrd="0" presId="urn:microsoft.com/office/officeart/2005/8/layout/radial5"/>
-    <dgm:cxn modelId="{3F89EE62-2E10-48FA-8C14-1114E37A9EE9}" type="presOf" srcId="{EDA3B536-0B0B-4A0F-8FAC-7619A8E081A7}" destId="{490FAE2C-F48F-487D-B95E-004D606C3FD6}" srcOrd="0" destOrd="0" presId="urn:microsoft.com/office/officeart/2005/8/layout/radial5"/>
-    <dgm:cxn modelId="{572E482D-A9BB-4900-8B3C-24342BD213AF}" srcId="{0396D9AA-1A7F-463B-832C-F9940B2A28CE}" destId="{5CA8A787-B8E1-449F-8965-B82C8A5C3B2E}" srcOrd="0" destOrd="0" parTransId="{7177D074-7912-4F2F-AF28-AC5AFA6AED96}" sibTransId="{5B414C26-417F-46E9-B9E8-9178D28DA301}"/>
-    <dgm:cxn modelId="{09BB7961-E5DD-4A87-92B7-5C66411B1784}" srcId="{5CA8A787-B8E1-449F-8965-B82C8A5C3B2E}" destId="{3C4A2A78-B220-49B4-A864-865AC5612374}" srcOrd="1" destOrd="0" parTransId="{A357ADCB-2BB5-40B8-A344-ADBEDD7FE77C}" sibTransId="{F692E531-07A1-4F54-BA8F-C328123C2939}"/>
-    <dgm:cxn modelId="{D90B997F-4FD5-47A2-B19F-836441AAEDCE}" type="presOf" srcId="{C3274072-A03E-4F54-AB37-9BA530E92543}" destId="{D577613C-D13A-46DF-8169-1DB3898D8890}" srcOrd="0" destOrd="0" presId="urn:microsoft.com/office/officeart/2005/8/layout/radial5"/>
-    <dgm:cxn modelId="{5B87C081-0A25-4877-8D24-F67B958BC5CD}" type="presOf" srcId="{C3274072-A03E-4F54-AB37-9BA530E92543}" destId="{A5D3E386-A4D7-4898-BFDA-B4052BEFFC7F}" srcOrd="1" destOrd="0" presId="urn:microsoft.com/office/officeart/2005/8/layout/radial5"/>
-    <dgm:cxn modelId="{772F7264-B86B-4C47-A748-73615BD004A1}" type="presOf" srcId="{991B1DCA-3E0C-4603-A1EF-EB49A270C5B9}" destId="{5AF642F1-9124-49E9-83C8-6AF562A5F3BF}" srcOrd="0" destOrd="0" presId="urn:microsoft.com/office/officeart/2005/8/layout/radial5"/>
+    <dgm:cxn modelId="{C54C8F59-252F-4E3F-8E3A-894BA5AFABA5}" srcId="{5CA8A787-B8E1-449F-8965-B82C8A5C3B2E}" destId="{69D98891-2518-4411-B6C6-48145C994C5A}" srcOrd="4" destOrd="0" parTransId="{9FFA11DC-B93E-4F31-9848-A1372D73EB65}" sibTransId="{A2EEAD09-8F75-4D58-AFB6-0F2455B99DD1}"/>
     <dgm:cxn modelId="{89EF3EAA-211A-4AC2-B81E-75717EFDFDEC}" srcId="{5CA8A787-B8E1-449F-8965-B82C8A5C3B2E}" destId="{C82F616E-E956-487C-80E4-7E4B5D75B9CC}" srcOrd="0" destOrd="0" parTransId="{AC8AC748-1CBA-4457-B207-D03580410D0A}" sibTransId="{ED96DBAB-282B-4365-A672-26AC0D1F13EB}"/>
-    <dgm:cxn modelId="{81343AE5-B38B-437B-9636-1177A010E90C}" type="presOf" srcId="{0396D9AA-1A7F-463B-832C-F9940B2A28CE}" destId="{D84C6100-8A65-4DB4-98A4-26D71A5C18EC}" srcOrd="0" destOrd="0" presId="urn:microsoft.com/office/officeart/2005/8/layout/radial5"/>
-    <dgm:cxn modelId="{D03110B4-CC3B-4A2A-B13A-12710252FF09}" type="presOf" srcId="{A357ADCB-2BB5-40B8-A344-ADBEDD7FE77C}" destId="{C8017806-A187-4947-8E92-21BCBCC575CE}" srcOrd="1" destOrd="0" presId="urn:microsoft.com/office/officeart/2005/8/layout/radial5"/>
-    <dgm:cxn modelId="{7AC15E91-6F81-442D-93F0-9001B175318F}" type="presOf" srcId="{991B1DCA-3E0C-4603-A1EF-EB49A270C5B9}" destId="{4FD43BED-8C89-488E-9206-A06153054576}" srcOrd="1" destOrd="0" presId="urn:microsoft.com/office/officeart/2005/8/layout/radial5"/>
-    <dgm:cxn modelId="{F2542B46-DDEA-454C-AD0D-510B4A4F4ABE}" type="presOf" srcId="{A357ADCB-2BB5-40B8-A344-ADBEDD7FE77C}" destId="{2A7D238D-65FB-48C7-8DAB-2279FC94FAB9}" srcOrd="0" destOrd="0" presId="urn:microsoft.com/office/officeart/2005/8/layout/radial5"/>
-    <dgm:cxn modelId="{7C5EB01E-32C5-48A9-9D97-AC82FA5E6555}" type="presOf" srcId="{69D98891-2518-4411-B6C6-48145C994C5A}" destId="{3852F764-DA5F-41D9-865F-372F7909E3F5}" srcOrd="0" destOrd="0" presId="urn:microsoft.com/office/officeart/2005/8/layout/radial5"/>
-    <dgm:cxn modelId="{8A71A7C3-9CB7-4B28-9C39-B8C9C4748818}" type="presOf" srcId="{3C4A2A78-B220-49B4-A864-865AC5612374}" destId="{2A634CB0-4FFF-453A-ACA4-A5EEABEED76C}" srcOrd="0" destOrd="0" presId="urn:microsoft.com/office/officeart/2005/8/layout/radial5"/>
-    <dgm:cxn modelId="{C54C8F59-252F-4E3F-8E3A-894BA5AFABA5}" srcId="{5CA8A787-B8E1-449F-8965-B82C8A5C3B2E}" destId="{69D98891-2518-4411-B6C6-48145C994C5A}" srcOrd="4" destOrd="0" parTransId="{9FFA11DC-B93E-4F31-9848-A1372D73EB65}" sibTransId="{A2EEAD09-8F75-4D58-AFB6-0F2455B99DD1}"/>
-    <dgm:cxn modelId="{F705EB21-3033-4E72-8CD7-77DEF6BB48BD}" type="presOf" srcId="{AC8AC748-1CBA-4457-B207-D03580410D0A}" destId="{0D317CC8-7A9F-4AD6-B289-61085785B942}" srcOrd="0" destOrd="0" presId="urn:microsoft.com/office/officeart/2005/8/layout/radial5"/>
     <dgm:cxn modelId="{5C16E1D1-7333-4AA6-B4A3-1AEF1BA97C07}" type="presParOf" srcId="{D84C6100-8A65-4DB4-98A4-26D71A5C18EC}" destId="{3EDCB39D-C7F0-4860-92E1-C5E202EDC593}" srcOrd="0" destOrd="0" presId="urn:microsoft.com/office/officeart/2005/8/layout/radial5"/>
     <dgm:cxn modelId="{C42080D3-8BD1-428B-A7E2-D185054DF949}" type="presParOf" srcId="{D84C6100-8A65-4DB4-98A4-26D71A5C18EC}" destId="{0D317CC8-7A9F-4AD6-B289-61085785B942}" srcOrd="1" destOrd="0" presId="urn:microsoft.com/office/officeart/2005/8/layout/radial5"/>
     <dgm:cxn modelId="{7498CE42-425F-45C1-8288-771A4539721B}" type="presParOf" srcId="{0D317CC8-7A9F-4AD6-B289-61085785B942}" destId="{ACCC0D07-B914-45BC-90C4-73989466758F}" srcOrd="0" destOrd="0" presId="urn:microsoft.com/office/officeart/2005/8/layout/radial5"/>
@@ -10096,55 +10194,111 @@
               <a:rPr lang="en-US" sz="2800" dirty="0" smtClean="0"/>
             </a:br>
             <a:r>
-              <a:rPr lang="en-US" sz="2800" dirty="0" err="1" smtClean="0"/>
+              <a:rPr lang="en-US" sz="2800" dirty="0" err="1" smtClean="0">
+                <a:solidFill>
+                  <a:srgbClr val="FF0000"/>
+                </a:solidFill>
+              </a:rPr>
               <a:t>Abhay</a:t>
             </a:r>
             <a:r>
-              <a:rPr lang="en-US" sz="2800" dirty="0" smtClean="0"/>
+              <a:rPr lang="en-US" sz="2800" dirty="0" smtClean="0">
+                <a:solidFill>
+                  <a:srgbClr val="FF0000"/>
+                </a:solidFill>
+              </a:rPr>
               <a:t> Gupta</a:t>
             </a:r>
             <a:br>
-              <a:rPr lang="en-US" sz="2800" dirty="0" smtClean="0"/>
+              <a:rPr lang="en-US" sz="2800" dirty="0" smtClean="0">
+                <a:solidFill>
+                  <a:srgbClr val="FF0000"/>
+                </a:solidFill>
+              </a:rPr>
             </a:br>
             <a:r>
-              <a:rPr lang="en-US" sz="2800" dirty="0" smtClean="0"/>
+              <a:rPr lang="en-US" sz="2800" dirty="0" smtClean="0">
+                <a:solidFill>
+                  <a:srgbClr val="FF0000"/>
+                </a:solidFill>
+              </a:rPr>
               <a:t>Gaurav </a:t>
             </a:r>
             <a:r>
-              <a:rPr lang="en-US" sz="2800" dirty="0" err="1" smtClean="0"/>
+              <a:rPr lang="en-US" sz="2800" dirty="0" err="1" smtClean="0">
+                <a:solidFill>
+                  <a:srgbClr val="FF0000"/>
+                </a:solidFill>
+              </a:rPr>
               <a:t>Halbe</a:t>
             </a:r>
             <a:r>
-              <a:rPr lang="en-US" sz="2800" dirty="0" smtClean="0"/>
+              <a:rPr lang="en-US" sz="2800" dirty="0" smtClean="0">
+                <a:solidFill>
+                  <a:srgbClr val="FF0000"/>
+                </a:solidFill>
+              </a:rPr>
               <a:t/>
             </a:r>
             <a:br>
-              <a:rPr lang="en-US" sz="2800" dirty="0" smtClean="0"/>
+              <a:rPr lang="en-US" sz="2800" dirty="0" smtClean="0">
+                <a:solidFill>
+                  <a:srgbClr val="FF0000"/>
+                </a:solidFill>
+              </a:rPr>
             </a:br>
             <a:r>
-              <a:rPr lang="en-US" sz="2800" dirty="0" err="1" smtClean="0"/>
+              <a:rPr lang="en-US" sz="2800" dirty="0" err="1" smtClean="0">
+                <a:solidFill>
+                  <a:srgbClr val="FF0000"/>
+                </a:solidFill>
+              </a:rPr>
               <a:t>Mayank</a:t>
             </a:r>
             <a:r>
-              <a:rPr lang="en-US" sz="2800" dirty="0" smtClean="0"/>
+              <a:rPr lang="en-US" sz="2800" dirty="0" smtClean="0">
+                <a:solidFill>
+                  <a:srgbClr val="FF0000"/>
+                </a:solidFill>
+              </a:rPr>
               <a:t> Chacko</a:t>
             </a:r>
             <a:br>
-              <a:rPr lang="en-US" sz="2800" dirty="0" smtClean="0"/>
+              <a:rPr lang="en-US" sz="2800" dirty="0" smtClean="0">
+                <a:solidFill>
+                  <a:srgbClr val="FF0000"/>
+                </a:solidFill>
+              </a:rPr>
             </a:br>
             <a:r>
-              <a:rPr lang="en-US" sz="2800" dirty="0" err="1" smtClean="0"/>
+              <a:rPr lang="en-US" sz="2800" dirty="0" err="1" smtClean="0">
+                <a:solidFill>
+                  <a:srgbClr val="FF0000"/>
+                </a:solidFill>
+              </a:rPr>
               <a:t>Rohit</a:t>
             </a:r>
             <a:r>
-              <a:rPr lang="en-US" sz="2800" dirty="0" smtClean="0"/>
+              <a:rPr lang="en-US" sz="2800" dirty="0" smtClean="0">
+                <a:solidFill>
+                  <a:srgbClr val="FF0000"/>
+                </a:solidFill>
+              </a:rPr>
               <a:t> </a:t>
             </a:r>
             <a:r>
-              <a:rPr lang="en-US" sz="2800" dirty="0" err="1" smtClean="0"/>
+              <a:rPr lang="en-US" sz="2800" dirty="0" err="1" smtClean="0">
+                <a:solidFill>
+                  <a:srgbClr val="FF0000"/>
+                </a:solidFill>
+              </a:rPr>
               <a:t>Kandhal</a:t>
             </a:r>
-            <a:endParaRPr lang="en-US" sz="2800" dirty="0"/>
+            <a:endParaRPr lang="en-US" sz="2800" dirty="0">
+              <a:solidFill>
+                <a:srgbClr val="FF0000"/>
+              </a:solidFill>
+            </a:endParaRPr>
           </a:p>
         </p:txBody>
       </p:sp>
@@ -10649,17 +10803,8 @@
           <a:p>
             <a:r>
               <a:rPr lang="en-US" sz="2400" dirty="0" smtClean="0"/>
-              <a:t>Google </a:t>
-            </a:r>
-            <a:r>
-              <a:rPr lang="en-US" sz="2400" dirty="0" smtClean="0"/>
-              <a:t>Maps </a:t>
-            </a:r>
-            <a:r>
-              <a:rPr lang="en-US" sz="2400" dirty="0" smtClean="0"/>
-              <a:t>API integration</a:t>
-            </a:r>
-            <a:endParaRPr lang="en-US" sz="2400" dirty="0" smtClean="0"/>
+              <a:t>Google Maps API integration</a:t>
+            </a:r>
           </a:p>
           <a:p>
             <a:r>
@@ -10776,30 +10921,36 @@
             </a:pPr>
             <a:r>
               <a:rPr lang="en-US" sz="2400" b="1" dirty="0" smtClean="0"/>
-              <a:t>Bonus…</a:t>
-            </a:r>
+              <a:t>Bonus</a:t>
+            </a:r>
+            <a:endParaRPr lang="en-US" sz="2400" b="1" dirty="0" smtClean="0"/>
+          </a:p>
+          <a:p>
+            <a:r>
+              <a:rPr lang="en-US" sz="2400" dirty="0"/>
+              <a:t>Admin interface on web for add/remove destinations </a:t>
+            </a:r>
+            <a:endParaRPr lang="en-US" sz="2400" dirty="0" smtClean="0"/>
           </a:p>
           <a:p>
             <a:r>
               <a:rPr lang="en-US" sz="2400" dirty="0" smtClean="0"/>
-              <a:t>Favorites option…</a:t>
-            </a:r>
+              <a:t>Favorites</a:t>
+            </a:r>
+            <a:endParaRPr lang="en-US" sz="2400" dirty="0" smtClean="0"/>
           </a:p>
           <a:p>
             <a:r>
               <a:rPr lang="en-US" sz="2400" dirty="0" smtClean="0"/>
-              <a:t>Achievements section</a:t>
+              <a:t>Cumulative walking minutes</a:t>
             </a:r>
             <a:r>
               <a:rPr lang="en-US" sz="2400" dirty="0" smtClean="0"/>
-              <a:t>..</a:t>
-            </a:r>
-          </a:p>
-          <a:p>
-            <a:r>
-              <a:rPr lang="en-US" sz="2400" dirty="0"/>
-              <a:t>Integration of list and map view with the main app</a:t>
-            </a:r>
+              <a:t> </a:t>
+            </a:r>
+          </a:p>
+          <a:p>
+            <a:endParaRPr lang="en-US" sz="2400" dirty="0"/>
           </a:p>
           <a:p>
             <a:endParaRPr lang="en-US" sz="2400" dirty="0" smtClean="0"/>

--- a/Walk North Hills v3.pptx
+++ b/Walk North Hills v3.pptx
@@ -13,8 +13,8 @@
     <p:sldId id="258" r:id="rId4"/>
     <p:sldId id="261" r:id="rId5"/>
     <p:sldId id="262" r:id="rId6"/>
-    <p:sldId id="265" r:id="rId7"/>
-    <p:sldId id="266" r:id="rId8"/>
+    <p:sldId id="266" r:id="rId7"/>
+    <p:sldId id="265" r:id="rId8"/>
     <p:sldId id="259" r:id="rId9"/>
     <p:sldId id="264" r:id="rId10"/>
   </p:sldIdLst>
@@ -3587,7 +3587,7 @@
           <a:p>
             <a:fld id="{BAA9B46F-B3CF-4CDA-954B-6C0BD8032935}" type="datetimeFigureOut">
               <a:rPr lang="en-US" smtClean="0"/>
-              <a:t>4/15/2013</a:t>
+              <a:t>4/17/2013</a:t>
             </a:fld>
             <a:endParaRPr lang="en-US"/>
           </a:p>
@@ -5165,7 +5165,7 @@
           <a:p>
             <a:fld id="{5480C599-2E0D-484F-BAB9-8CE740F23B94}" type="datetimeFigureOut">
               <a:rPr lang="en-US" smtClean="0"/>
-              <a:t>4/15/2013</a:t>
+              <a:t>4/17/2013</a:t>
             </a:fld>
             <a:endParaRPr lang="en-US"/>
           </a:p>
@@ -5416,7 +5416,7 @@
           <a:p>
             <a:fld id="{5480C599-2E0D-484F-BAB9-8CE740F23B94}" type="datetimeFigureOut">
               <a:rPr lang="en-US" smtClean="0"/>
-              <a:t>4/15/2013</a:t>
+              <a:t>4/17/2013</a:t>
             </a:fld>
             <a:endParaRPr lang="en-US"/>
           </a:p>
@@ -5730,7 +5730,7 @@
           <a:p>
             <a:fld id="{5480C599-2E0D-484F-BAB9-8CE740F23B94}" type="datetimeFigureOut">
               <a:rPr lang="en-US" smtClean="0"/>
-              <a:t>4/15/2013</a:t>
+              <a:t>4/17/2013</a:t>
             </a:fld>
             <a:endParaRPr lang="en-US"/>
           </a:p>
@@ -6071,7 +6071,7 @@
           <a:p>
             <a:fld id="{5480C599-2E0D-484F-BAB9-8CE740F23B94}" type="datetimeFigureOut">
               <a:rPr lang="en-US" smtClean="0"/>
-              <a:t>4/15/2013</a:t>
+              <a:t>4/17/2013</a:t>
             </a:fld>
             <a:endParaRPr lang="en-US"/>
           </a:p>
@@ -6385,7 +6385,7 @@
           <a:p>
             <a:fld id="{5480C599-2E0D-484F-BAB9-8CE740F23B94}" type="datetimeFigureOut">
               <a:rPr lang="en-US" smtClean="0"/>
-              <a:t>4/15/2013</a:t>
+              <a:t>4/17/2013</a:t>
             </a:fld>
             <a:endParaRPr lang="en-US"/>
           </a:p>
@@ -6778,7 +6778,7 @@
           <a:p>
             <a:fld id="{5480C599-2E0D-484F-BAB9-8CE740F23B94}" type="datetimeFigureOut">
               <a:rPr lang="en-US" smtClean="0"/>
-              <a:t>4/15/2013</a:t>
+              <a:t>4/17/2013</a:t>
             </a:fld>
             <a:endParaRPr lang="en-US"/>
           </a:p>
@@ -6948,7 +6948,7 @@
           <a:p>
             <a:fld id="{5480C599-2E0D-484F-BAB9-8CE740F23B94}" type="datetimeFigureOut">
               <a:rPr lang="en-US" smtClean="0"/>
-              <a:t>4/15/2013</a:t>
+              <a:t>4/17/2013</a:t>
             </a:fld>
             <a:endParaRPr lang="en-US"/>
           </a:p>
@@ -7128,7 +7128,7 @@
           <a:p>
             <a:fld id="{5480C599-2E0D-484F-BAB9-8CE740F23B94}" type="datetimeFigureOut">
               <a:rPr lang="en-US" smtClean="0"/>
-              <a:t>4/15/2013</a:t>
+              <a:t>4/17/2013</a:t>
             </a:fld>
             <a:endParaRPr lang="en-US"/>
           </a:p>
@@ -7304,7 +7304,7 @@
           <a:p>
             <a:fld id="{5480C599-2E0D-484F-BAB9-8CE740F23B94}" type="datetimeFigureOut">
               <a:rPr lang="en-US" smtClean="0"/>
-              <a:t>4/15/2013</a:t>
+              <a:t>4/17/2013</a:t>
             </a:fld>
             <a:endParaRPr lang="en-US"/>
           </a:p>
@@ -7551,7 +7551,7 @@
           <a:p>
             <a:fld id="{5480C599-2E0D-484F-BAB9-8CE740F23B94}" type="datetimeFigureOut">
               <a:rPr lang="en-US" smtClean="0"/>
-              <a:t>4/15/2013</a:t>
+              <a:t>4/17/2013</a:t>
             </a:fld>
             <a:endParaRPr lang="en-US"/>
           </a:p>
@@ -7783,7 +7783,7 @@
           <a:p>
             <a:fld id="{5480C599-2E0D-484F-BAB9-8CE740F23B94}" type="datetimeFigureOut">
               <a:rPr lang="en-US" smtClean="0"/>
-              <a:t>4/15/2013</a:t>
+              <a:t>4/17/2013</a:t>
             </a:fld>
             <a:endParaRPr lang="en-US"/>
           </a:p>
@@ -8157,7 +8157,7 @@
           <a:p>
             <a:fld id="{5480C599-2E0D-484F-BAB9-8CE740F23B94}" type="datetimeFigureOut">
               <a:rPr lang="en-US" smtClean="0"/>
-              <a:t>4/15/2013</a:t>
+              <a:t>4/17/2013</a:t>
             </a:fld>
             <a:endParaRPr lang="en-US"/>
           </a:p>
@@ -8280,7 +8280,7 @@
           <a:p>
             <a:fld id="{5480C599-2E0D-484F-BAB9-8CE740F23B94}" type="datetimeFigureOut">
               <a:rPr lang="en-US" smtClean="0"/>
-              <a:t>4/15/2013</a:t>
+              <a:t>4/17/2013</a:t>
             </a:fld>
             <a:endParaRPr lang="en-US"/>
           </a:p>
@@ -8375,7 +8375,7 @@
           <a:p>
             <a:fld id="{5480C599-2E0D-484F-BAB9-8CE740F23B94}" type="datetimeFigureOut">
               <a:rPr lang="en-US" smtClean="0"/>
-              <a:t>4/15/2013</a:t>
+              <a:t>4/17/2013</a:t>
             </a:fld>
             <a:endParaRPr lang="en-US"/>
           </a:p>
@@ -8630,7 +8630,7 @@
           <a:p>
             <a:fld id="{5480C599-2E0D-484F-BAB9-8CE740F23B94}" type="datetimeFigureOut">
               <a:rPr lang="en-US" smtClean="0"/>
-              <a:t>4/15/2013</a:t>
+              <a:t>4/17/2013</a:t>
             </a:fld>
             <a:endParaRPr lang="en-US"/>
           </a:p>
@@ -8893,7 +8893,7 @@
           <a:p>
             <a:fld id="{5480C599-2E0D-484F-BAB9-8CE740F23B94}" type="datetimeFigureOut">
               <a:rPr lang="en-US" smtClean="0"/>
-              <a:t>4/15/2013</a:t>
+              <a:t>4/17/2013</a:t>
             </a:fld>
             <a:endParaRPr lang="en-US"/>
           </a:p>
@@ -9636,7 +9636,7 @@
           <a:p>
             <a:fld id="{5480C599-2E0D-484F-BAB9-8CE740F23B94}" type="datetimeFigureOut">
               <a:rPr lang="en-US" smtClean="0"/>
-              <a:t>4/15/2013</a:t>
+              <a:t>4/17/2013</a:t>
             </a:fld>
             <a:endParaRPr lang="en-US"/>
           </a:p>
@@ -10923,7 +10923,6 @@
               <a:rPr lang="en-US" sz="2400" b="1" dirty="0" smtClean="0"/>
               <a:t>Bonus</a:t>
             </a:r>
-            <a:endParaRPr lang="en-US" sz="2400" b="1" dirty="0" smtClean="0"/>
           </a:p>
           <a:p>
             <a:r>
@@ -10937,16 +10936,11 @@
               <a:rPr lang="en-US" sz="2400" dirty="0" smtClean="0"/>
               <a:t>Favorites</a:t>
             </a:r>
-            <a:endParaRPr lang="en-US" sz="2400" dirty="0" smtClean="0"/>
           </a:p>
           <a:p>
             <a:r>
               <a:rPr lang="en-US" sz="2400" dirty="0" smtClean="0"/>
-              <a:t>Cumulative walking minutes</a:t>
-            </a:r>
-            <a:r>
-              <a:rPr lang="en-US" sz="2400" dirty="0" smtClean="0"/>
-              <a:t> </a:t>
+              <a:t>Cumulative walking minutes </a:t>
             </a:r>
           </a:p>
           <a:p>
@@ -10978,6 +10972,99 @@
 </file>
 
 <file path=ppt/slides/slide6.xml><?xml version="1.0" encoding="utf-8"?>
+<p:sld xmlns:a="http://schemas.openxmlformats.org/drawingml/2006/main" xmlns:r="http://schemas.openxmlformats.org/officeDocument/2006/relationships" xmlns:p="http://schemas.openxmlformats.org/presentationml/2006/main">
+  <p:cSld>
+    <p:spTree>
+      <p:nvGrpSpPr>
+        <p:cNvPr id="1" name=""/>
+        <p:cNvGrpSpPr/>
+        <p:nvPr/>
+      </p:nvGrpSpPr>
+      <p:grpSpPr>
+        <a:xfrm>
+          <a:off x="0" y="0"/>
+          <a:ext cx="0" cy="0"/>
+          <a:chOff x="0" y="0"/>
+          <a:chExt cx="0" cy="0"/>
+        </a:xfrm>
+      </p:grpSpPr>
+      <p:sp>
+        <p:nvSpPr>
+          <p:cNvPr id="2" name="Title 1"/>
+          <p:cNvSpPr>
+            <a:spLocks noGrp="1"/>
+          </p:cNvSpPr>
+          <p:nvPr>
+            <p:ph type="title"/>
+          </p:nvPr>
+        </p:nvSpPr>
+        <p:spPr/>
+        <p:txBody>
+          <a:bodyPr/>
+          <a:lstStyle/>
+          <a:p>
+            <a:r>
+              <a:rPr lang="en-US" dirty="0" smtClean="0"/>
+              <a:t>Google Direction </a:t>
+            </a:r>
+            <a:r>
+              <a:rPr lang="en-US" dirty="0" err="1" smtClean="0"/>
+              <a:t>Api</a:t>
+            </a:r>
+            <a:endParaRPr lang="en-US" dirty="0"/>
+          </a:p>
+        </p:txBody>
+      </p:sp>
+      <p:pic>
+        <p:nvPicPr>
+          <p:cNvPr id="4" name="Content Placeholder 3"/>
+          <p:cNvPicPr>
+            <a:picLocks noGrp="1" noChangeAspect="1"/>
+          </p:cNvPicPr>
+          <p:nvPr>
+            <p:ph idx="1"/>
+          </p:nvPr>
+        </p:nvPicPr>
+        <p:blipFill>
+          <a:blip r:embed="rId2" cstate="print">
+            <a:extLst>
+              <a:ext uri="{28A0092B-C50C-407E-A947-70E740481C1C}">
+                <a14:useLocalDpi xmlns:a14="http://schemas.microsoft.com/office/drawing/2010/main" val="0"/>
+              </a:ext>
+            </a:extLst>
+          </a:blip>
+          <a:stretch>
+            <a:fillRect/>
+          </a:stretch>
+        </p:blipFill>
+        <p:spPr>
+          <a:xfrm>
+            <a:off x="1005999" y="1930401"/>
+            <a:ext cx="8636567" cy="3433170"/>
+          </a:xfrm>
+        </p:spPr>
+      </p:pic>
+    </p:spTree>
+    <p:extLst>
+      <p:ext uri="{BB962C8B-B14F-4D97-AF65-F5344CB8AC3E}">
+        <p14:creationId xmlns:p14="http://schemas.microsoft.com/office/powerpoint/2010/main" val="936764297"/>
+      </p:ext>
+    </p:extLst>
+  </p:cSld>
+  <p:clrMapOvr>
+    <a:masterClrMapping/>
+  </p:clrMapOvr>
+  <p:timing>
+    <p:tnLst>
+      <p:par>
+        <p:cTn id="1" dur="indefinite" restart="never" nodeType="tmRoot"/>
+      </p:par>
+    </p:tnLst>
+  </p:timing>
+</p:sld>
+</file>
+
+<file path=ppt/slides/slide7.xml><?xml version="1.0" encoding="utf-8"?>
 <p:sld xmlns:a="http://schemas.openxmlformats.org/drawingml/2006/main" xmlns:r="http://schemas.openxmlformats.org/officeDocument/2006/relationships" xmlns:p="http://schemas.openxmlformats.org/presentationml/2006/main">
   <p:cSld>
     <p:spTree>
@@ -11297,92 +11384,13 @@
   <p:clrMapOvr>
     <a:masterClrMapping/>
   </p:clrMapOvr>
-</p:sld>
-</file>
-
-<file path=ppt/slides/slide7.xml><?xml version="1.0" encoding="utf-8"?>
-<p:sld xmlns:a="http://schemas.openxmlformats.org/drawingml/2006/main" xmlns:r="http://schemas.openxmlformats.org/officeDocument/2006/relationships" xmlns:p="http://schemas.openxmlformats.org/presentationml/2006/main">
-  <p:cSld>
-    <p:spTree>
-      <p:nvGrpSpPr>
-        <p:cNvPr id="1" name=""/>
-        <p:cNvGrpSpPr/>
-        <p:nvPr/>
-      </p:nvGrpSpPr>
-      <p:grpSpPr>
-        <a:xfrm>
-          <a:off x="0" y="0"/>
-          <a:ext cx="0" cy="0"/>
-          <a:chOff x="0" y="0"/>
-          <a:chExt cx="0" cy="0"/>
-        </a:xfrm>
-      </p:grpSpPr>
-      <p:sp>
-        <p:nvSpPr>
-          <p:cNvPr id="2" name="Title 1"/>
-          <p:cNvSpPr>
-            <a:spLocks noGrp="1"/>
-          </p:cNvSpPr>
-          <p:nvPr>
-            <p:ph type="title"/>
-          </p:nvPr>
-        </p:nvSpPr>
-        <p:spPr/>
-        <p:txBody>
-          <a:bodyPr/>
-          <a:lstStyle/>
-          <a:p>
-            <a:r>
-              <a:rPr lang="en-US" dirty="0" smtClean="0"/>
-              <a:t>Google Direction </a:t>
-            </a:r>
-            <a:r>
-              <a:rPr lang="en-US" dirty="0" err="1" smtClean="0"/>
-              <a:t>Api</a:t>
-            </a:r>
-            <a:endParaRPr lang="en-US" dirty="0"/>
-          </a:p>
-        </p:txBody>
-      </p:sp>
-      <p:pic>
-        <p:nvPicPr>
-          <p:cNvPr id="4" name="Content Placeholder 3"/>
-          <p:cNvPicPr>
-            <a:picLocks noGrp="1" noChangeAspect="1"/>
-          </p:cNvPicPr>
-          <p:nvPr>
-            <p:ph idx="1"/>
-          </p:nvPr>
-        </p:nvPicPr>
-        <p:blipFill>
-          <a:blip r:embed="rId2" cstate="print">
-            <a:extLst>
-              <a:ext uri="{28A0092B-C50C-407E-A947-70E740481C1C}">
-                <a14:useLocalDpi xmlns:a14="http://schemas.microsoft.com/office/drawing/2010/main" val="0"/>
-              </a:ext>
-            </a:extLst>
-          </a:blip>
-          <a:stretch>
-            <a:fillRect/>
-          </a:stretch>
-        </p:blipFill>
-        <p:spPr>
-          <a:xfrm>
-            <a:off x="1005999" y="1930401"/>
-            <a:ext cx="8636567" cy="3433170"/>
-          </a:xfrm>
-        </p:spPr>
-      </p:pic>
-    </p:spTree>
-    <p:extLst>
-      <p:ext uri="{BB962C8B-B14F-4D97-AF65-F5344CB8AC3E}">
-        <p14:creationId xmlns:p14="http://schemas.microsoft.com/office/powerpoint/2010/main" val="936764297"/>
-      </p:ext>
-    </p:extLst>
-  </p:cSld>
-  <p:clrMapOvr>
-    <a:masterClrMapping/>
-  </p:clrMapOvr>
+  <p:timing>
+    <p:tnLst>
+      <p:par>
+        <p:cTn id="1" dur="indefinite" restart="never" nodeType="tmRoot"/>
+      </p:par>
+    </p:tnLst>
+  </p:timing>
 </p:sld>
 </file>
 
